--- a/page.pptx
+++ b/page.pptx
@@ -5,12 +5,7 @@
     <p:sldMasterId id="2147483648" r:id="rId1"/>
   </p:sldMasterIdLst>
   <p:sldIdLst>
-    <p:sldId id="257" r:id="rId2"/>
-    <p:sldId id="258" r:id="rId3"/>
-    <p:sldId id="259" r:id="rId4"/>
-    <p:sldId id="260" r:id="rId5"/>
-    <p:sldId id="261" r:id="rId6"/>
-    <p:sldId id="262" r:id="rId7"/>
+    <p:sldId id="258" r:id="rId2"/>
   </p:sldIdLst>
   <p:sldSz cx="12192000" cy="6858000"/>
   <p:notesSz cx="6858000" cy="9144000"/>
@@ -134,7 +129,7 @@
           <p:cNvPr id="2" name="제목 1">
             <a:extLst>
               <a:ext uri="{FF2B5EF4-FFF2-40B4-BE49-F238E27FC236}">
-                <a16:creationId xmlns:a16="http://schemas.microsoft.com/office/drawing/2014/main" id="{5456D341-0365-42EC-99D6-22C7F3EAA5F0}"/>
+                <a16:creationId xmlns:a16="http://schemas.microsoft.com/office/drawing/2014/main" xmlns="" id="{5456D341-0365-42EC-99D6-22C7F3EAA5F0}"/>
               </a:ext>
             </a:extLst>
           </p:cNvPr>
@@ -171,7 +166,7 @@
           <p:cNvPr id="3" name="부제목 2">
             <a:extLst>
               <a:ext uri="{FF2B5EF4-FFF2-40B4-BE49-F238E27FC236}">
-                <a16:creationId xmlns:a16="http://schemas.microsoft.com/office/drawing/2014/main" id="{BCA60180-D7BC-4BA8-B0B3-DA2508C81A7B}"/>
+                <a16:creationId xmlns:a16="http://schemas.microsoft.com/office/drawing/2014/main" xmlns="" id="{BCA60180-D7BC-4BA8-B0B3-DA2508C81A7B}"/>
               </a:ext>
             </a:extLst>
           </p:cNvPr>
@@ -241,7 +236,7 @@
           <p:cNvPr id="4" name="날짜 개체 틀 3">
             <a:extLst>
               <a:ext uri="{FF2B5EF4-FFF2-40B4-BE49-F238E27FC236}">
-                <a16:creationId xmlns:a16="http://schemas.microsoft.com/office/drawing/2014/main" id="{DECC5F89-503A-4918-A6A9-8AB098E2BC51}"/>
+                <a16:creationId xmlns:a16="http://schemas.microsoft.com/office/drawing/2014/main" xmlns="" id="{DECC5F89-503A-4918-A6A9-8AB098E2BC51}"/>
               </a:ext>
             </a:extLst>
           </p:cNvPr>
@@ -259,7 +254,7 @@
           <a:p>
             <a:fld id="{ADDDB2EF-D444-4C8F-AF10-B8B91DE89A9D}" type="datetimeFigureOut">
               <a:rPr lang="ko-KR" altLang="en-US" smtClean="0"/>
-              <a:t>2021-11-14</a:t>
+              <a:t>2021-12-26</a:t>
             </a:fld>
             <a:endParaRPr lang="ko-KR" altLang="en-US"/>
           </a:p>
@@ -270,7 +265,7 @@
           <p:cNvPr id="5" name="바닥글 개체 틀 4">
             <a:extLst>
               <a:ext uri="{FF2B5EF4-FFF2-40B4-BE49-F238E27FC236}">
-                <a16:creationId xmlns:a16="http://schemas.microsoft.com/office/drawing/2014/main" id="{ABC9CBAA-3105-4BD8-A7C8-3AC330B25066}"/>
+                <a16:creationId xmlns:a16="http://schemas.microsoft.com/office/drawing/2014/main" xmlns="" id="{ABC9CBAA-3105-4BD8-A7C8-3AC330B25066}"/>
               </a:ext>
             </a:extLst>
           </p:cNvPr>
@@ -295,7 +290,7 @@
           <p:cNvPr id="6" name="슬라이드 번호 개체 틀 5">
             <a:extLst>
               <a:ext uri="{FF2B5EF4-FFF2-40B4-BE49-F238E27FC236}">
-                <a16:creationId xmlns:a16="http://schemas.microsoft.com/office/drawing/2014/main" id="{EC8863C3-6DCB-4D0A-9718-B199CC69A681}"/>
+                <a16:creationId xmlns:a16="http://schemas.microsoft.com/office/drawing/2014/main" xmlns="" id="{EC8863C3-6DCB-4D0A-9718-B199CC69A681}"/>
               </a:ext>
             </a:extLst>
           </p:cNvPr>
@@ -354,7 +349,7 @@
           <p:cNvPr id="2" name="제목 1">
             <a:extLst>
               <a:ext uri="{FF2B5EF4-FFF2-40B4-BE49-F238E27FC236}">
-                <a16:creationId xmlns:a16="http://schemas.microsoft.com/office/drawing/2014/main" id="{2651DA3F-234D-41C6-B0F7-645E1E21C37E}"/>
+                <a16:creationId xmlns:a16="http://schemas.microsoft.com/office/drawing/2014/main" xmlns="" id="{2651DA3F-234D-41C6-B0F7-645E1E21C37E}"/>
               </a:ext>
             </a:extLst>
           </p:cNvPr>
@@ -382,7 +377,7 @@
           <p:cNvPr id="3" name="세로 텍스트 개체 틀 2">
             <a:extLst>
               <a:ext uri="{FF2B5EF4-FFF2-40B4-BE49-F238E27FC236}">
-                <a16:creationId xmlns:a16="http://schemas.microsoft.com/office/drawing/2014/main" id="{1196988B-EC07-4207-B290-AD26D65C450E}"/>
+                <a16:creationId xmlns:a16="http://schemas.microsoft.com/office/drawing/2014/main" xmlns="" id="{1196988B-EC07-4207-B290-AD26D65C450E}"/>
               </a:ext>
             </a:extLst>
           </p:cNvPr>
@@ -439,7 +434,7 @@
           <p:cNvPr id="4" name="날짜 개체 틀 3">
             <a:extLst>
               <a:ext uri="{FF2B5EF4-FFF2-40B4-BE49-F238E27FC236}">
-                <a16:creationId xmlns:a16="http://schemas.microsoft.com/office/drawing/2014/main" id="{230E27BD-C094-4726-A49E-730D2F4418E9}"/>
+                <a16:creationId xmlns:a16="http://schemas.microsoft.com/office/drawing/2014/main" xmlns="" id="{230E27BD-C094-4726-A49E-730D2F4418E9}"/>
               </a:ext>
             </a:extLst>
           </p:cNvPr>
@@ -457,7 +452,7 @@
           <a:p>
             <a:fld id="{ADDDB2EF-D444-4C8F-AF10-B8B91DE89A9D}" type="datetimeFigureOut">
               <a:rPr lang="ko-KR" altLang="en-US" smtClean="0"/>
-              <a:t>2021-11-14</a:t>
+              <a:t>2021-12-26</a:t>
             </a:fld>
             <a:endParaRPr lang="ko-KR" altLang="en-US"/>
           </a:p>
@@ -468,7 +463,7 @@
           <p:cNvPr id="5" name="바닥글 개체 틀 4">
             <a:extLst>
               <a:ext uri="{FF2B5EF4-FFF2-40B4-BE49-F238E27FC236}">
-                <a16:creationId xmlns:a16="http://schemas.microsoft.com/office/drawing/2014/main" id="{EFEC3E53-9FFA-478D-979E-34E9386C4F2D}"/>
+                <a16:creationId xmlns:a16="http://schemas.microsoft.com/office/drawing/2014/main" xmlns="" id="{EFEC3E53-9FFA-478D-979E-34E9386C4F2D}"/>
               </a:ext>
             </a:extLst>
           </p:cNvPr>
@@ -493,7 +488,7 @@
           <p:cNvPr id="6" name="슬라이드 번호 개체 틀 5">
             <a:extLst>
               <a:ext uri="{FF2B5EF4-FFF2-40B4-BE49-F238E27FC236}">
-                <a16:creationId xmlns:a16="http://schemas.microsoft.com/office/drawing/2014/main" id="{770BB617-5800-47D5-AC37-AA57E0E793EB}"/>
+                <a16:creationId xmlns:a16="http://schemas.microsoft.com/office/drawing/2014/main" xmlns="" id="{770BB617-5800-47D5-AC37-AA57E0E793EB}"/>
               </a:ext>
             </a:extLst>
           </p:cNvPr>
@@ -552,7 +547,7 @@
           <p:cNvPr id="2" name="세로 제목 1">
             <a:extLst>
               <a:ext uri="{FF2B5EF4-FFF2-40B4-BE49-F238E27FC236}">
-                <a16:creationId xmlns:a16="http://schemas.microsoft.com/office/drawing/2014/main" id="{A4C72844-620B-4296-97DF-00A291E0FE1B}"/>
+                <a16:creationId xmlns:a16="http://schemas.microsoft.com/office/drawing/2014/main" xmlns="" id="{A4C72844-620B-4296-97DF-00A291E0FE1B}"/>
               </a:ext>
             </a:extLst>
           </p:cNvPr>
@@ -585,7 +580,7 @@
           <p:cNvPr id="3" name="세로 텍스트 개체 틀 2">
             <a:extLst>
               <a:ext uri="{FF2B5EF4-FFF2-40B4-BE49-F238E27FC236}">
-                <a16:creationId xmlns:a16="http://schemas.microsoft.com/office/drawing/2014/main" id="{43512BEB-D98E-4BB8-9559-9E7527604849}"/>
+                <a16:creationId xmlns:a16="http://schemas.microsoft.com/office/drawing/2014/main" xmlns="" id="{43512BEB-D98E-4BB8-9559-9E7527604849}"/>
               </a:ext>
             </a:extLst>
           </p:cNvPr>
@@ -647,7 +642,7 @@
           <p:cNvPr id="4" name="날짜 개체 틀 3">
             <a:extLst>
               <a:ext uri="{FF2B5EF4-FFF2-40B4-BE49-F238E27FC236}">
-                <a16:creationId xmlns:a16="http://schemas.microsoft.com/office/drawing/2014/main" id="{BEC3A40A-5FD6-411D-84A0-B933A0B7C4B4}"/>
+                <a16:creationId xmlns:a16="http://schemas.microsoft.com/office/drawing/2014/main" xmlns="" id="{BEC3A40A-5FD6-411D-84A0-B933A0B7C4B4}"/>
               </a:ext>
             </a:extLst>
           </p:cNvPr>
@@ -665,7 +660,7 @@
           <a:p>
             <a:fld id="{ADDDB2EF-D444-4C8F-AF10-B8B91DE89A9D}" type="datetimeFigureOut">
               <a:rPr lang="ko-KR" altLang="en-US" smtClean="0"/>
-              <a:t>2021-11-14</a:t>
+              <a:t>2021-12-26</a:t>
             </a:fld>
             <a:endParaRPr lang="ko-KR" altLang="en-US"/>
           </a:p>
@@ -676,7 +671,7 @@
           <p:cNvPr id="5" name="바닥글 개체 틀 4">
             <a:extLst>
               <a:ext uri="{FF2B5EF4-FFF2-40B4-BE49-F238E27FC236}">
-                <a16:creationId xmlns:a16="http://schemas.microsoft.com/office/drawing/2014/main" id="{B327654E-F3FE-4EB1-9D41-C40DAC29BDCE}"/>
+                <a16:creationId xmlns:a16="http://schemas.microsoft.com/office/drawing/2014/main" xmlns="" id="{B327654E-F3FE-4EB1-9D41-C40DAC29BDCE}"/>
               </a:ext>
             </a:extLst>
           </p:cNvPr>
@@ -701,7 +696,7 @@
           <p:cNvPr id="6" name="슬라이드 번호 개체 틀 5">
             <a:extLst>
               <a:ext uri="{FF2B5EF4-FFF2-40B4-BE49-F238E27FC236}">
-                <a16:creationId xmlns:a16="http://schemas.microsoft.com/office/drawing/2014/main" id="{29580C4E-B0C4-4D96-A7C2-611988FB5BA4}"/>
+                <a16:creationId xmlns:a16="http://schemas.microsoft.com/office/drawing/2014/main" xmlns="" id="{29580C4E-B0C4-4D96-A7C2-611988FB5BA4}"/>
               </a:ext>
             </a:extLst>
           </p:cNvPr>
@@ -760,7 +755,7 @@
           <p:cNvPr id="2" name="제목 1">
             <a:extLst>
               <a:ext uri="{FF2B5EF4-FFF2-40B4-BE49-F238E27FC236}">
-                <a16:creationId xmlns:a16="http://schemas.microsoft.com/office/drawing/2014/main" id="{EE8F9C71-E66F-42D8-86AD-715C17EC3264}"/>
+                <a16:creationId xmlns:a16="http://schemas.microsoft.com/office/drawing/2014/main" xmlns="" id="{EE8F9C71-E66F-42D8-86AD-715C17EC3264}"/>
               </a:ext>
             </a:extLst>
           </p:cNvPr>
@@ -788,7 +783,7 @@
           <p:cNvPr id="3" name="내용 개체 틀 2">
             <a:extLst>
               <a:ext uri="{FF2B5EF4-FFF2-40B4-BE49-F238E27FC236}">
-                <a16:creationId xmlns:a16="http://schemas.microsoft.com/office/drawing/2014/main" id="{FF513151-1260-4E23-8994-3D3339582A9E}"/>
+                <a16:creationId xmlns:a16="http://schemas.microsoft.com/office/drawing/2014/main" xmlns="" id="{FF513151-1260-4E23-8994-3D3339582A9E}"/>
               </a:ext>
             </a:extLst>
           </p:cNvPr>
@@ -845,7 +840,7 @@
           <p:cNvPr id="4" name="날짜 개체 틀 3">
             <a:extLst>
               <a:ext uri="{FF2B5EF4-FFF2-40B4-BE49-F238E27FC236}">
-                <a16:creationId xmlns:a16="http://schemas.microsoft.com/office/drawing/2014/main" id="{203847AB-0E35-4E67-B111-5DAD845FBC13}"/>
+                <a16:creationId xmlns:a16="http://schemas.microsoft.com/office/drawing/2014/main" xmlns="" id="{203847AB-0E35-4E67-B111-5DAD845FBC13}"/>
               </a:ext>
             </a:extLst>
           </p:cNvPr>
@@ -863,7 +858,7 @@
           <a:p>
             <a:fld id="{ADDDB2EF-D444-4C8F-AF10-B8B91DE89A9D}" type="datetimeFigureOut">
               <a:rPr lang="ko-KR" altLang="en-US" smtClean="0"/>
-              <a:t>2021-11-14</a:t>
+              <a:t>2021-12-26</a:t>
             </a:fld>
             <a:endParaRPr lang="ko-KR" altLang="en-US"/>
           </a:p>
@@ -874,7 +869,7 @@
           <p:cNvPr id="5" name="바닥글 개체 틀 4">
             <a:extLst>
               <a:ext uri="{FF2B5EF4-FFF2-40B4-BE49-F238E27FC236}">
-                <a16:creationId xmlns:a16="http://schemas.microsoft.com/office/drawing/2014/main" id="{261B5C62-F92B-4075-AFCB-F7400A33CE4F}"/>
+                <a16:creationId xmlns:a16="http://schemas.microsoft.com/office/drawing/2014/main" xmlns="" id="{261B5C62-F92B-4075-AFCB-F7400A33CE4F}"/>
               </a:ext>
             </a:extLst>
           </p:cNvPr>
@@ -899,7 +894,7 @@
           <p:cNvPr id="6" name="슬라이드 번호 개체 틀 5">
             <a:extLst>
               <a:ext uri="{FF2B5EF4-FFF2-40B4-BE49-F238E27FC236}">
-                <a16:creationId xmlns:a16="http://schemas.microsoft.com/office/drawing/2014/main" id="{57726DAA-39BC-4F04-B659-48056016F3E2}"/>
+                <a16:creationId xmlns:a16="http://schemas.microsoft.com/office/drawing/2014/main" xmlns="" id="{57726DAA-39BC-4F04-B659-48056016F3E2}"/>
               </a:ext>
             </a:extLst>
           </p:cNvPr>
@@ -958,7 +953,7 @@
           <p:cNvPr id="2" name="제목 1">
             <a:extLst>
               <a:ext uri="{FF2B5EF4-FFF2-40B4-BE49-F238E27FC236}">
-                <a16:creationId xmlns:a16="http://schemas.microsoft.com/office/drawing/2014/main" id="{0FE1A5F0-9D78-425B-B5A2-891D838EE4F9}"/>
+                <a16:creationId xmlns:a16="http://schemas.microsoft.com/office/drawing/2014/main" xmlns="" id="{0FE1A5F0-9D78-425B-B5A2-891D838EE4F9}"/>
               </a:ext>
             </a:extLst>
           </p:cNvPr>
@@ -995,7 +990,7 @@
           <p:cNvPr id="3" name="텍스트 개체 틀 2">
             <a:extLst>
               <a:ext uri="{FF2B5EF4-FFF2-40B4-BE49-F238E27FC236}">
-                <a16:creationId xmlns:a16="http://schemas.microsoft.com/office/drawing/2014/main" id="{FC0DCBF0-9EEF-45C6-93D1-F88F3C9C13F6}"/>
+                <a16:creationId xmlns:a16="http://schemas.microsoft.com/office/drawing/2014/main" xmlns="" id="{FC0DCBF0-9EEF-45C6-93D1-F88F3C9C13F6}"/>
               </a:ext>
             </a:extLst>
           </p:cNvPr>
@@ -1120,7 +1115,7 @@
           <p:cNvPr id="4" name="날짜 개체 틀 3">
             <a:extLst>
               <a:ext uri="{FF2B5EF4-FFF2-40B4-BE49-F238E27FC236}">
-                <a16:creationId xmlns:a16="http://schemas.microsoft.com/office/drawing/2014/main" id="{BD9A043C-B2A1-4B7B-8ABD-9B0C3C9DE62B}"/>
+                <a16:creationId xmlns:a16="http://schemas.microsoft.com/office/drawing/2014/main" xmlns="" id="{BD9A043C-B2A1-4B7B-8ABD-9B0C3C9DE62B}"/>
               </a:ext>
             </a:extLst>
           </p:cNvPr>
@@ -1138,7 +1133,7 @@
           <a:p>
             <a:fld id="{ADDDB2EF-D444-4C8F-AF10-B8B91DE89A9D}" type="datetimeFigureOut">
               <a:rPr lang="ko-KR" altLang="en-US" smtClean="0"/>
-              <a:t>2021-11-14</a:t>
+              <a:t>2021-12-26</a:t>
             </a:fld>
             <a:endParaRPr lang="ko-KR" altLang="en-US"/>
           </a:p>
@@ -1149,7 +1144,7 @@
           <p:cNvPr id="5" name="바닥글 개체 틀 4">
             <a:extLst>
               <a:ext uri="{FF2B5EF4-FFF2-40B4-BE49-F238E27FC236}">
-                <a16:creationId xmlns:a16="http://schemas.microsoft.com/office/drawing/2014/main" id="{7B2F2A7E-409B-42D5-AD1D-D8E25BA37561}"/>
+                <a16:creationId xmlns:a16="http://schemas.microsoft.com/office/drawing/2014/main" xmlns="" id="{7B2F2A7E-409B-42D5-AD1D-D8E25BA37561}"/>
               </a:ext>
             </a:extLst>
           </p:cNvPr>
@@ -1174,7 +1169,7 @@
           <p:cNvPr id="6" name="슬라이드 번호 개체 틀 5">
             <a:extLst>
               <a:ext uri="{FF2B5EF4-FFF2-40B4-BE49-F238E27FC236}">
-                <a16:creationId xmlns:a16="http://schemas.microsoft.com/office/drawing/2014/main" id="{EC0B9FB4-78D8-422C-9317-5ECB6CADF5CB}"/>
+                <a16:creationId xmlns:a16="http://schemas.microsoft.com/office/drawing/2014/main" xmlns="" id="{EC0B9FB4-78D8-422C-9317-5ECB6CADF5CB}"/>
               </a:ext>
             </a:extLst>
           </p:cNvPr>
@@ -1233,7 +1228,7 @@
           <p:cNvPr id="2" name="제목 1">
             <a:extLst>
               <a:ext uri="{FF2B5EF4-FFF2-40B4-BE49-F238E27FC236}">
-                <a16:creationId xmlns:a16="http://schemas.microsoft.com/office/drawing/2014/main" id="{BA96E31B-40BB-4EE2-B58D-9BD56629431A}"/>
+                <a16:creationId xmlns:a16="http://schemas.microsoft.com/office/drawing/2014/main" xmlns="" id="{BA96E31B-40BB-4EE2-B58D-9BD56629431A}"/>
               </a:ext>
             </a:extLst>
           </p:cNvPr>
@@ -1261,7 +1256,7 @@
           <p:cNvPr id="3" name="내용 개체 틀 2">
             <a:extLst>
               <a:ext uri="{FF2B5EF4-FFF2-40B4-BE49-F238E27FC236}">
-                <a16:creationId xmlns:a16="http://schemas.microsoft.com/office/drawing/2014/main" id="{41455947-6090-481A-B806-8681877BBF4D}"/>
+                <a16:creationId xmlns:a16="http://schemas.microsoft.com/office/drawing/2014/main" xmlns="" id="{41455947-6090-481A-B806-8681877BBF4D}"/>
               </a:ext>
             </a:extLst>
           </p:cNvPr>
@@ -1323,7 +1318,7 @@
           <p:cNvPr id="4" name="내용 개체 틀 3">
             <a:extLst>
               <a:ext uri="{FF2B5EF4-FFF2-40B4-BE49-F238E27FC236}">
-                <a16:creationId xmlns:a16="http://schemas.microsoft.com/office/drawing/2014/main" id="{E2738922-140B-4FB7-852B-02B8E2124DBE}"/>
+                <a16:creationId xmlns:a16="http://schemas.microsoft.com/office/drawing/2014/main" xmlns="" id="{E2738922-140B-4FB7-852B-02B8E2124DBE}"/>
               </a:ext>
             </a:extLst>
           </p:cNvPr>
@@ -1385,7 +1380,7 @@
           <p:cNvPr id="5" name="날짜 개체 틀 4">
             <a:extLst>
               <a:ext uri="{FF2B5EF4-FFF2-40B4-BE49-F238E27FC236}">
-                <a16:creationId xmlns:a16="http://schemas.microsoft.com/office/drawing/2014/main" id="{46FE14E5-77F8-4319-B8D6-D9124DE1B008}"/>
+                <a16:creationId xmlns:a16="http://schemas.microsoft.com/office/drawing/2014/main" xmlns="" id="{46FE14E5-77F8-4319-B8D6-D9124DE1B008}"/>
               </a:ext>
             </a:extLst>
           </p:cNvPr>
@@ -1403,7 +1398,7 @@
           <a:p>
             <a:fld id="{ADDDB2EF-D444-4C8F-AF10-B8B91DE89A9D}" type="datetimeFigureOut">
               <a:rPr lang="ko-KR" altLang="en-US" smtClean="0"/>
-              <a:t>2021-11-14</a:t>
+              <a:t>2021-12-26</a:t>
             </a:fld>
             <a:endParaRPr lang="ko-KR" altLang="en-US"/>
           </a:p>
@@ -1414,7 +1409,7 @@
           <p:cNvPr id="6" name="바닥글 개체 틀 5">
             <a:extLst>
               <a:ext uri="{FF2B5EF4-FFF2-40B4-BE49-F238E27FC236}">
-                <a16:creationId xmlns:a16="http://schemas.microsoft.com/office/drawing/2014/main" id="{DEEE6C47-B6F7-41E6-AFD0-B30A45033353}"/>
+                <a16:creationId xmlns:a16="http://schemas.microsoft.com/office/drawing/2014/main" xmlns="" id="{DEEE6C47-B6F7-41E6-AFD0-B30A45033353}"/>
               </a:ext>
             </a:extLst>
           </p:cNvPr>
@@ -1439,7 +1434,7 @@
           <p:cNvPr id="7" name="슬라이드 번호 개체 틀 6">
             <a:extLst>
               <a:ext uri="{FF2B5EF4-FFF2-40B4-BE49-F238E27FC236}">
-                <a16:creationId xmlns:a16="http://schemas.microsoft.com/office/drawing/2014/main" id="{54B01016-47E5-4DE7-970E-D100336EF6D0}"/>
+                <a16:creationId xmlns:a16="http://schemas.microsoft.com/office/drawing/2014/main" xmlns="" id="{54B01016-47E5-4DE7-970E-D100336EF6D0}"/>
               </a:ext>
             </a:extLst>
           </p:cNvPr>
@@ -1498,7 +1493,7 @@
           <p:cNvPr id="2" name="제목 1">
             <a:extLst>
               <a:ext uri="{FF2B5EF4-FFF2-40B4-BE49-F238E27FC236}">
-                <a16:creationId xmlns:a16="http://schemas.microsoft.com/office/drawing/2014/main" id="{11DA3FC0-BFCC-4775-AC2C-1B8E1F46FD4C}"/>
+                <a16:creationId xmlns:a16="http://schemas.microsoft.com/office/drawing/2014/main" xmlns="" id="{11DA3FC0-BFCC-4775-AC2C-1B8E1F46FD4C}"/>
               </a:ext>
             </a:extLst>
           </p:cNvPr>
@@ -1531,7 +1526,7 @@
           <p:cNvPr id="3" name="텍스트 개체 틀 2">
             <a:extLst>
               <a:ext uri="{FF2B5EF4-FFF2-40B4-BE49-F238E27FC236}">
-                <a16:creationId xmlns:a16="http://schemas.microsoft.com/office/drawing/2014/main" id="{3DAED96E-E340-4317-B6A7-B2ED9669F2FC}"/>
+                <a16:creationId xmlns:a16="http://schemas.microsoft.com/office/drawing/2014/main" xmlns="" id="{3DAED96E-E340-4317-B6A7-B2ED9669F2FC}"/>
               </a:ext>
             </a:extLst>
           </p:cNvPr>
@@ -1602,7 +1597,7 @@
           <p:cNvPr id="4" name="내용 개체 틀 3">
             <a:extLst>
               <a:ext uri="{FF2B5EF4-FFF2-40B4-BE49-F238E27FC236}">
-                <a16:creationId xmlns:a16="http://schemas.microsoft.com/office/drawing/2014/main" id="{0BE2FCBF-610C-4F1B-B9D4-DBA9D1EB3979}"/>
+                <a16:creationId xmlns:a16="http://schemas.microsoft.com/office/drawing/2014/main" xmlns="" id="{0BE2FCBF-610C-4F1B-B9D4-DBA9D1EB3979}"/>
               </a:ext>
             </a:extLst>
           </p:cNvPr>
@@ -1664,7 +1659,7 @@
           <p:cNvPr id="5" name="텍스트 개체 틀 4">
             <a:extLst>
               <a:ext uri="{FF2B5EF4-FFF2-40B4-BE49-F238E27FC236}">
-                <a16:creationId xmlns:a16="http://schemas.microsoft.com/office/drawing/2014/main" id="{23922156-B5ED-4EB5-B54A-B6AFB04FAF46}"/>
+                <a16:creationId xmlns:a16="http://schemas.microsoft.com/office/drawing/2014/main" xmlns="" id="{23922156-B5ED-4EB5-B54A-B6AFB04FAF46}"/>
               </a:ext>
             </a:extLst>
           </p:cNvPr>
@@ -1735,7 +1730,7 @@
           <p:cNvPr id="6" name="내용 개체 틀 5">
             <a:extLst>
               <a:ext uri="{FF2B5EF4-FFF2-40B4-BE49-F238E27FC236}">
-                <a16:creationId xmlns:a16="http://schemas.microsoft.com/office/drawing/2014/main" id="{70FE3D4C-B6A6-4310-AEFD-D6A492672503}"/>
+                <a16:creationId xmlns:a16="http://schemas.microsoft.com/office/drawing/2014/main" xmlns="" id="{70FE3D4C-B6A6-4310-AEFD-D6A492672503}"/>
               </a:ext>
             </a:extLst>
           </p:cNvPr>
@@ -1797,7 +1792,7 @@
           <p:cNvPr id="7" name="날짜 개체 틀 6">
             <a:extLst>
               <a:ext uri="{FF2B5EF4-FFF2-40B4-BE49-F238E27FC236}">
-                <a16:creationId xmlns:a16="http://schemas.microsoft.com/office/drawing/2014/main" id="{0FE89B79-AE76-4DFC-8491-885F862D719F}"/>
+                <a16:creationId xmlns:a16="http://schemas.microsoft.com/office/drawing/2014/main" xmlns="" id="{0FE89B79-AE76-4DFC-8491-885F862D719F}"/>
               </a:ext>
             </a:extLst>
           </p:cNvPr>
@@ -1815,7 +1810,7 @@
           <a:p>
             <a:fld id="{ADDDB2EF-D444-4C8F-AF10-B8B91DE89A9D}" type="datetimeFigureOut">
               <a:rPr lang="ko-KR" altLang="en-US" smtClean="0"/>
-              <a:t>2021-11-14</a:t>
+              <a:t>2021-12-26</a:t>
             </a:fld>
             <a:endParaRPr lang="ko-KR" altLang="en-US"/>
           </a:p>
@@ -1826,7 +1821,7 @@
           <p:cNvPr id="8" name="바닥글 개체 틀 7">
             <a:extLst>
               <a:ext uri="{FF2B5EF4-FFF2-40B4-BE49-F238E27FC236}">
-                <a16:creationId xmlns:a16="http://schemas.microsoft.com/office/drawing/2014/main" id="{04BD66C4-60B1-48FD-9878-74E89013BA75}"/>
+                <a16:creationId xmlns:a16="http://schemas.microsoft.com/office/drawing/2014/main" xmlns="" id="{04BD66C4-60B1-48FD-9878-74E89013BA75}"/>
               </a:ext>
             </a:extLst>
           </p:cNvPr>
@@ -1851,7 +1846,7 @@
           <p:cNvPr id="9" name="슬라이드 번호 개체 틀 8">
             <a:extLst>
               <a:ext uri="{FF2B5EF4-FFF2-40B4-BE49-F238E27FC236}">
-                <a16:creationId xmlns:a16="http://schemas.microsoft.com/office/drawing/2014/main" id="{D8744C82-6EB3-4A98-9E26-251F554942AF}"/>
+                <a16:creationId xmlns:a16="http://schemas.microsoft.com/office/drawing/2014/main" xmlns="" id="{D8744C82-6EB3-4A98-9E26-251F554942AF}"/>
               </a:ext>
             </a:extLst>
           </p:cNvPr>
@@ -1910,7 +1905,7 @@
           <p:cNvPr id="2" name="제목 1">
             <a:extLst>
               <a:ext uri="{FF2B5EF4-FFF2-40B4-BE49-F238E27FC236}">
-                <a16:creationId xmlns:a16="http://schemas.microsoft.com/office/drawing/2014/main" id="{4AB74693-EBEB-497F-9A3F-A9C2EBA6B896}"/>
+                <a16:creationId xmlns:a16="http://schemas.microsoft.com/office/drawing/2014/main" xmlns="" id="{4AB74693-EBEB-497F-9A3F-A9C2EBA6B896}"/>
               </a:ext>
             </a:extLst>
           </p:cNvPr>
@@ -1938,7 +1933,7 @@
           <p:cNvPr id="3" name="날짜 개체 틀 2">
             <a:extLst>
               <a:ext uri="{FF2B5EF4-FFF2-40B4-BE49-F238E27FC236}">
-                <a16:creationId xmlns:a16="http://schemas.microsoft.com/office/drawing/2014/main" id="{A5A1DAAB-2794-41F0-A599-1A019B2F006C}"/>
+                <a16:creationId xmlns:a16="http://schemas.microsoft.com/office/drawing/2014/main" xmlns="" id="{A5A1DAAB-2794-41F0-A599-1A019B2F006C}"/>
               </a:ext>
             </a:extLst>
           </p:cNvPr>
@@ -1956,7 +1951,7 @@
           <a:p>
             <a:fld id="{ADDDB2EF-D444-4C8F-AF10-B8B91DE89A9D}" type="datetimeFigureOut">
               <a:rPr lang="ko-KR" altLang="en-US" smtClean="0"/>
-              <a:t>2021-11-14</a:t>
+              <a:t>2021-12-26</a:t>
             </a:fld>
             <a:endParaRPr lang="ko-KR" altLang="en-US"/>
           </a:p>
@@ -1967,7 +1962,7 @@
           <p:cNvPr id="4" name="바닥글 개체 틀 3">
             <a:extLst>
               <a:ext uri="{FF2B5EF4-FFF2-40B4-BE49-F238E27FC236}">
-                <a16:creationId xmlns:a16="http://schemas.microsoft.com/office/drawing/2014/main" id="{B81FC0D5-D63D-4712-A422-3FCD90FF57BC}"/>
+                <a16:creationId xmlns:a16="http://schemas.microsoft.com/office/drawing/2014/main" xmlns="" id="{B81FC0D5-D63D-4712-A422-3FCD90FF57BC}"/>
               </a:ext>
             </a:extLst>
           </p:cNvPr>
@@ -1992,7 +1987,7 @@
           <p:cNvPr id="5" name="슬라이드 번호 개체 틀 4">
             <a:extLst>
               <a:ext uri="{FF2B5EF4-FFF2-40B4-BE49-F238E27FC236}">
-                <a16:creationId xmlns:a16="http://schemas.microsoft.com/office/drawing/2014/main" id="{138F75E7-5769-4EB3-981F-C14DADC81E07}"/>
+                <a16:creationId xmlns:a16="http://schemas.microsoft.com/office/drawing/2014/main" xmlns="" id="{138F75E7-5769-4EB3-981F-C14DADC81E07}"/>
               </a:ext>
             </a:extLst>
           </p:cNvPr>
@@ -2051,7 +2046,7 @@
           <p:cNvPr id="2" name="날짜 개체 틀 1">
             <a:extLst>
               <a:ext uri="{FF2B5EF4-FFF2-40B4-BE49-F238E27FC236}">
-                <a16:creationId xmlns:a16="http://schemas.microsoft.com/office/drawing/2014/main" id="{C3813E46-454A-4D58-98AA-CF9624256D8E}"/>
+                <a16:creationId xmlns:a16="http://schemas.microsoft.com/office/drawing/2014/main" xmlns="" id="{C3813E46-454A-4D58-98AA-CF9624256D8E}"/>
               </a:ext>
             </a:extLst>
           </p:cNvPr>
@@ -2069,7 +2064,7 @@
           <a:p>
             <a:fld id="{ADDDB2EF-D444-4C8F-AF10-B8B91DE89A9D}" type="datetimeFigureOut">
               <a:rPr lang="ko-KR" altLang="en-US" smtClean="0"/>
-              <a:t>2021-11-14</a:t>
+              <a:t>2021-12-26</a:t>
             </a:fld>
             <a:endParaRPr lang="ko-KR" altLang="en-US"/>
           </a:p>
@@ -2080,7 +2075,7 @@
           <p:cNvPr id="3" name="바닥글 개체 틀 2">
             <a:extLst>
               <a:ext uri="{FF2B5EF4-FFF2-40B4-BE49-F238E27FC236}">
-                <a16:creationId xmlns:a16="http://schemas.microsoft.com/office/drawing/2014/main" id="{9E0CD75A-3AAE-4FA3-B65B-29A34F851921}"/>
+                <a16:creationId xmlns:a16="http://schemas.microsoft.com/office/drawing/2014/main" xmlns="" id="{9E0CD75A-3AAE-4FA3-B65B-29A34F851921}"/>
               </a:ext>
             </a:extLst>
           </p:cNvPr>
@@ -2105,7 +2100,7 @@
           <p:cNvPr id="4" name="슬라이드 번호 개체 틀 3">
             <a:extLst>
               <a:ext uri="{FF2B5EF4-FFF2-40B4-BE49-F238E27FC236}">
-                <a16:creationId xmlns:a16="http://schemas.microsoft.com/office/drawing/2014/main" id="{8ADFEF88-5CCD-4707-97A4-4F3782BB1853}"/>
+                <a16:creationId xmlns:a16="http://schemas.microsoft.com/office/drawing/2014/main" xmlns="" id="{8ADFEF88-5CCD-4707-97A4-4F3782BB1853}"/>
               </a:ext>
             </a:extLst>
           </p:cNvPr>
@@ -2164,7 +2159,7 @@
           <p:cNvPr id="2" name="제목 1">
             <a:extLst>
               <a:ext uri="{FF2B5EF4-FFF2-40B4-BE49-F238E27FC236}">
-                <a16:creationId xmlns:a16="http://schemas.microsoft.com/office/drawing/2014/main" id="{225D066B-7109-45D7-9A7A-B2B6FD3C6FAE}"/>
+                <a16:creationId xmlns:a16="http://schemas.microsoft.com/office/drawing/2014/main" xmlns="" id="{225D066B-7109-45D7-9A7A-B2B6FD3C6FAE}"/>
               </a:ext>
             </a:extLst>
           </p:cNvPr>
@@ -2201,7 +2196,7 @@
           <p:cNvPr id="3" name="내용 개체 틀 2">
             <a:extLst>
               <a:ext uri="{FF2B5EF4-FFF2-40B4-BE49-F238E27FC236}">
-                <a16:creationId xmlns:a16="http://schemas.microsoft.com/office/drawing/2014/main" id="{FD932C83-7837-445F-A951-B7644D6AC89C}"/>
+                <a16:creationId xmlns:a16="http://schemas.microsoft.com/office/drawing/2014/main" xmlns="" id="{FD932C83-7837-445F-A951-B7644D6AC89C}"/>
               </a:ext>
             </a:extLst>
           </p:cNvPr>
@@ -2291,7 +2286,7 @@
           <p:cNvPr id="4" name="텍스트 개체 틀 3">
             <a:extLst>
               <a:ext uri="{FF2B5EF4-FFF2-40B4-BE49-F238E27FC236}">
-                <a16:creationId xmlns:a16="http://schemas.microsoft.com/office/drawing/2014/main" id="{2C6900F1-6CC7-44D8-B0AD-4C7FE364BF7A}"/>
+                <a16:creationId xmlns:a16="http://schemas.microsoft.com/office/drawing/2014/main" xmlns="" id="{2C6900F1-6CC7-44D8-B0AD-4C7FE364BF7A}"/>
               </a:ext>
             </a:extLst>
           </p:cNvPr>
@@ -2362,7 +2357,7 @@
           <p:cNvPr id="5" name="날짜 개체 틀 4">
             <a:extLst>
               <a:ext uri="{FF2B5EF4-FFF2-40B4-BE49-F238E27FC236}">
-                <a16:creationId xmlns:a16="http://schemas.microsoft.com/office/drawing/2014/main" id="{93CDA83A-0251-46A4-8411-AF28381A9B10}"/>
+                <a16:creationId xmlns:a16="http://schemas.microsoft.com/office/drawing/2014/main" xmlns="" id="{93CDA83A-0251-46A4-8411-AF28381A9B10}"/>
               </a:ext>
             </a:extLst>
           </p:cNvPr>
@@ -2380,7 +2375,7 @@
           <a:p>
             <a:fld id="{ADDDB2EF-D444-4C8F-AF10-B8B91DE89A9D}" type="datetimeFigureOut">
               <a:rPr lang="ko-KR" altLang="en-US" smtClean="0"/>
-              <a:t>2021-11-14</a:t>
+              <a:t>2021-12-26</a:t>
             </a:fld>
             <a:endParaRPr lang="ko-KR" altLang="en-US"/>
           </a:p>
@@ -2391,7 +2386,7 @@
           <p:cNvPr id="6" name="바닥글 개체 틀 5">
             <a:extLst>
               <a:ext uri="{FF2B5EF4-FFF2-40B4-BE49-F238E27FC236}">
-                <a16:creationId xmlns:a16="http://schemas.microsoft.com/office/drawing/2014/main" id="{199E8B2E-3BC9-421D-B19B-C8F4351F6A49}"/>
+                <a16:creationId xmlns:a16="http://schemas.microsoft.com/office/drawing/2014/main" xmlns="" id="{199E8B2E-3BC9-421D-B19B-C8F4351F6A49}"/>
               </a:ext>
             </a:extLst>
           </p:cNvPr>
@@ -2416,7 +2411,7 @@
           <p:cNvPr id="7" name="슬라이드 번호 개체 틀 6">
             <a:extLst>
               <a:ext uri="{FF2B5EF4-FFF2-40B4-BE49-F238E27FC236}">
-                <a16:creationId xmlns:a16="http://schemas.microsoft.com/office/drawing/2014/main" id="{6AB81A50-0B33-45C5-A983-ACA9FF1CFBB8}"/>
+                <a16:creationId xmlns:a16="http://schemas.microsoft.com/office/drawing/2014/main" xmlns="" id="{6AB81A50-0B33-45C5-A983-ACA9FF1CFBB8}"/>
               </a:ext>
             </a:extLst>
           </p:cNvPr>
@@ -2475,7 +2470,7 @@
           <p:cNvPr id="2" name="제목 1">
             <a:extLst>
               <a:ext uri="{FF2B5EF4-FFF2-40B4-BE49-F238E27FC236}">
-                <a16:creationId xmlns:a16="http://schemas.microsoft.com/office/drawing/2014/main" id="{371B11D5-5E96-4969-A1E5-273D1BCC3C5E}"/>
+                <a16:creationId xmlns:a16="http://schemas.microsoft.com/office/drawing/2014/main" xmlns="" id="{371B11D5-5E96-4969-A1E5-273D1BCC3C5E}"/>
               </a:ext>
             </a:extLst>
           </p:cNvPr>
@@ -2512,7 +2507,7 @@
           <p:cNvPr id="3" name="그림 개체 틀 2">
             <a:extLst>
               <a:ext uri="{FF2B5EF4-FFF2-40B4-BE49-F238E27FC236}">
-                <a16:creationId xmlns:a16="http://schemas.microsoft.com/office/drawing/2014/main" id="{4B0BF7DD-DB8C-4A45-8918-016F19C32630}"/>
+                <a16:creationId xmlns:a16="http://schemas.microsoft.com/office/drawing/2014/main" xmlns="" id="{4B0BF7DD-DB8C-4A45-8918-016F19C32630}"/>
               </a:ext>
             </a:extLst>
           </p:cNvPr>
@@ -2579,7 +2574,7 @@
           <p:cNvPr id="4" name="텍스트 개체 틀 3">
             <a:extLst>
               <a:ext uri="{FF2B5EF4-FFF2-40B4-BE49-F238E27FC236}">
-                <a16:creationId xmlns:a16="http://schemas.microsoft.com/office/drawing/2014/main" id="{92313350-3D7A-431E-8C4E-CF6A78D32FAC}"/>
+                <a16:creationId xmlns:a16="http://schemas.microsoft.com/office/drawing/2014/main" xmlns="" id="{92313350-3D7A-431E-8C4E-CF6A78D32FAC}"/>
               </a:ext>
             </a:extLst>
           </p:cNvPr>
@@ -2650,7 +2645,7 @@
           <p:cNvPr id="5" name="날짜 개체 틀 4">
             <a:extLst>
               <a:ext uri="{FF2B5EF4-FFF2-40B4-BE49-F238E27FC236}">
-                <a16:creationId xmlns:a16="http://schemas.microsoft.com/office/drawing/2014/main" id="{51D1E728-B8F3-4159-8F84-64D55B17FFFB}"/>
+                <a16:creationId xmlns:a16="http://schemas.microsoft.com/office/drawing/2014/main" xmlns="" id="{51D1E728-B8F3-4159-8F84-64D55B17FFFB}"/>
               </a:ext>
             </a:extLst>
           </p:cNvPr>
@@ -2668,7 +2663,7 @@
           <a:p>
             <a:fld id="{ADDDB2EF-D444-4C8F-AF10-B8B91DE89A9D}" type="datetimeFigureOut">
               <a:rPr lang="ko-KR" altLang="en-US" smtClean="0"/>
-              <a:t>2021-11-14</a:t>
+              <a:t>2021-12-26</a:t>
             </a:fld>
             <a:endParaRPr lang="ko-KR" altLang="en-US"/>
           </a:p>
@@ -2679,7 +2674,7 @@
           <p:cNvPr id="6" name="바닥글 개체 틀 5">
             <a:extLst>
               <a:ext uri="{FF2B5EF4-FFF2-40B4-BE49-F238E27FC236}">
-                <a16:creationId xmlns:a16="http://schemas.microsoft.com/office/drawing/2014/main" id="{9AF5A04C-0A0F-44DC-9CA7-E20D2EB2A0B3}"/>
+                <a16:creationId xmlns:a16="http://schemas.microsoft.com/office/drawing/2014/main" xmlns="" id="{9AF5A04C-0A0F-44DC-9CA7-E20D2EB2A0B3}"/>
               </a:ext>
             </a:extLst>
           </p:cNvPr>
@@ -2704,7 +2699,7 @@
           <p:cNvPr id="7" name="슬라이드 번호 개체 틀 6">
             <a:extLst>
               <a:ext uri="{FF2B5EF4-FFF2-40B4-BE49-F238E27FC236}">
-                <a16:creationId xmlns:a16="http://schemas.microsoft.com/office/drawing/2014/main" id="{3FAC3079-9B1B-4EC0-A438-54C39F5E373A}"/>
+                <a16:creationId xmlns:a16="http://schemas.microsoft.com/office/drawing/2014/main" xmlns="" id="{3FAC3079-9B1B-4EC0-A438-54C39F5E373A}"/>
               </a:ext>
             </a:extLst>
           </p:cNvPr>
@@ -2768,7 +2763,7 @@
           <p:cNvPr id="2" name="제목 개체 틀 1">
             <a:extLst>
               <a:ext uri="{FF2B5EF4-FFF2-40B4-BE49-F238E27FC236}">
-                <a16:creationId xmlns:a16="http://schemas.microsoft.com/office/drawing/2014/main" id="{248758F4-F12B-46ED-A06B-19D5E9DF60CC}"/>
+                <a16:creationId xmlns:a16="http://schemas.microsoft.com/office/drawing/2014/main" xmlns="" id="{248758F4-F12B-46ED-A06B-19D5E9DF60CC}"/>
               </a:ext>
             </a:extLst>
           </p:cNvPr>
@@ -2806,7 +2801,7 @@
           <p:cNvPr id="3" name="텍스트 개체 틀 2">
             <a:extLst>
               <a:ext uri="{FF2B5EF4-FFF2-40B4-BE49-F238E27FC236}">
-                <a16:creationId xmlns:a16="http://schemas.microsoft.com/office/drawing/2014/main" id="{CDED49EC-E382-4D54-8862-68BF8B0BF5A2}"/>
+                <a16:creationId xmlns:a16="http://schemas.microsoft.com/office/drawing/2014/main" xmlns="" id="{CDED49EC-E382-4D54-8862-68BF8B0BF5A2}"/>
               </a:ext>
             </a:extLst>
           </p:cNvPr>
@@ -2873,7 +2868,7 @@
           <p:cNvPr id="4" name="날짜 개체 틀 3">
             <a:extLst>
               <a:ext uri="{FF2B5EF4-FFF2-40B4-BE49-F238E27FC236}">
-                <a16:creationId xmlns:a16="http://schemas.microsoft.com/office/drawing/2014/main" id="{7FF0E867-706E-4709-9888-C21079476A4E}"/>
+                <a16:creationId xmlns:a16="http://schemas.microsoft.com/office/drawing/2014/main" xmlns="" id="{7FF0E867-706E-4709-9888-C21079476A4E}"/>
               </a:ext>
             </a:extLst>
           </p:cNvPr>
@@ -2909,7 +2904,7 @@
           <a:p>
             <a:fld id="{ADDDB2EF-D444-4C8F-AF10-B8B91DE89A9D}" type="datetimeFigureOut">
               <a:rPr lang="ko-KR" altLang="en-US" smtClean="0"/>
-              <a:t>2021-11-14</a:t>
+              <a:t>2021-12-26</a:t>
             </a:fld>
             <a:endParaRPr lang="ko-KR" altLang="en-US"/>
           </a:p>
@@ -2920,7 +2915,7 @@
           <p:cNvPr id="5" name="바닥글 개체 틀 4">
             <a:extLst>
               <a:ext uri="{FF2B5EF4-FFF2-40B4-BE49-F238E27FC236}">
-                <a16:creationId xmlns:a16="http://schemas.microsoft.com/office/drawing/2014/main" id="{7E56BF52-03DB-40A2-8AEA-B9D36D23D5DF}"/>
+                <a16:creationId xmlns:a16="http://schemas.microsoft.com/office/drawing/2014/main" xmlns="" id="{7E56BF52-03DB-40A2-8AEA-B9D36D23D5DF}"/>
               </a:ext>
             </a:extLst>
           </p:cNvPr>
@@ -2963,7 +2958,7 @@
           <p:cNvPr id="6" name="슬라이드 번호 개체 틀 5">
             <a:extLst>
               <a:ext uri="{FF2B5EF4-FFF2-40B4-BE49-F238E27FC236}">
-                <a16:creationId xmlns:a16="http://schemas.microsoft.com/office/drawing/2014/main" id="{7D10850B-1FF9-4A76-B77F-48336604A5C3}"/>
+                <a16:creationId xmlns:a16="http://schemas.microsoft.com/office/drawing/2014/main" xmlns="" id="{7D10850B-1FF9-4A76-B77F-48336604A5C3}"/>
               </a:ext>
             </a:extLst>
           </p:cNvPr>
@@ -3328,10 +3323,10 @@
       </p:grpSpPr>
       <p:sp>
         <p:nvSpPr>
-          <p:cNvPr id="19" name="TextBox 18">
-            <a:extLst>
-              <a:ext uri="{FF2B5EF4-FFF2-40B4-BE49-F238E27FC236}">
-                <a16:creationId xmlns:a16="http://schemas.microsoft.com/office/drawing/2014/main" id="{1CBCCCD7-C7B5-4A72-83CB-5973ECCE2C04}"/>
+          <p:cNvPr id="2" name="TextBox 1">
+            <a:extLst>
+              <a:ext uri="{FF2B5EF4-FFF2-40B4-BE49-F238E27FC236}">
+                <a16:creationId xmlns:a16="http://schemas.microsoft.com/office/drawing/2014/main" xmlns="" id="{ABD6D00A-15DC-4996-B471-ABAFC5947064}"/>
               </a:ext>
             </a:extLst>
           </p:cNvPr>
@@ -3340,8 +3335,8 @@
         </p:nvSpPr>
         <p:spPr>
           <a:xfrm>
-            <a:off x="4074253" y="2055303"/>
-            <a:ext cx="4043494" cy="1200329"/>
+            <a:off x="3838071" y="1509479"/>
+            <a:ext cx="4043494" cy="646331"/>
           </a:xfrm>
           <a:prstGeom prst="rect">
             <a:avLst/>
@@ -3356,157 +3351,33 @@
           <a:p>
             <a:pPr algn="ctr"/>
             <a:r>
-              <a:rPr lang="ko-KR" altLang="en-US" sz="3600" dirty="0" err="1"/>
-              <a:t>어서오세요</a:t>
-            </a:r>
-            <a:br>
-              <a:rPr lang="en-US" altLang="ko-KR" sz="3600" dirty="0"/>
-            </a:br>
+              <a:rPr lang="en-US" altLang="ko-KR" sz="3600" dirty="0" smtClean="0"/>
+              <a:t>WEB KING </a:t>
+            </a:r>
+            <a:r>
+              <a:rPr lang="ko-KR" altLang="en-US" sz="3600" dirty="0" smtClean="0"/>
+              <a:t>배너</a:t>
+            </a:r>
             <a:endParaRPr lang="ko-KR" altLang="en-US" sz="3600" dirty="0"/>
           </a:p>
         </p:txBody>
       </p:sp>
       <p:sp>
         <p:nvSpPr>
-          <p:cNvPr id="23" name="직사각형 22">
-            <a:extLst>
-              <a:ext uri="{FF2B5EF4-FFF2-40B4-BE49-F238E27FC236}">
-                <a16:creationId xmlns:a16="http://schemas.microsoft.com/office/drawing/2014/main" id="{D8DDB90A-72A8-4D62-A545-450574E9323C}"/>
-              </a:ext>
-            </a:extLst>
-          </p:cNvPr>
-          <p:cNvSpPr/>
+          <p:cNvPr id="3" name="TextBox 2">
+            <a:extLst>
+              <a:ext uri="{FF2B5EF4-FFF2-40B4-BE49-F238E27FC236}">
+                <a16:creationId xmlns:a16="http://schemas.microsoft.com/office/drawing/2014/main" xmlns="" id="{6165C223-39A9-4A00-BB0E-78A62E0345BE}"/>
+              </a:ext>
+            </a:extLst>
+          </p:cNvPr>
+          <p:cNvSpPr txBox="1"/>
           <p:nvPr/>
         </p:nvSpPr>
         <p:spPr>
           <a:xfrm>
-            <a:off x="5525546" y="3871185"/>
-            <a:ext cx="1140903" cy="820024"/>
-          </a:xfrm>
-          <a:prstGeom prst="rect">
-            <a:avLst/>
-          </a:prstGeom>
-        </p:spPr>
-        <p:style>
-          <a:lnRef idx="2">
-            <a:schemeClr val="accent1">
-              <a:shade val="50000"/>
-            </a:schemeClr>
-          </a:lnRef>
-          <a:fillRef idx="1">
-            <a:schemeClr val="accent1"/>
-          </a:fillRef>
-          <a:effectRef idx="0">
-            <a:schemeClr val="accent1"/>
-          </a:effectRef>
-          <a:fontRef idx="minor">
-            <a:schemeClr val="lt1"/>
-          </a:fontRef>
-        </p:style>
-        <p:txBody>
-          <a:bodyPr rtlCol="0" anchor="ctr"/>
-          <a:lstStyle/>
-          <a:p>
-            <a:pPr algn="ctr"/>
-            <a:r>
-              <a:rPr lang="en-US" altLang="ko-KR" dirty="0"/>
-              <a:t> LOGIN</a:t>
-            </a:r>
-            <a:endParaRPr lang="ko-KR" altLang="en-US" dirty="0"/>
-          </a:p>
-        </p:txBody>
-      </p:sp>
-      <p:sp>
-        <p:nvSpPr>
-          <p:cNvPr id="24" name="TextBox 23">
-            <a:extLst>
-              <a:ext uri="{FF2B5EF4-FFF2-40B4-BE49-F238E27FC236}">
-                <a16:creationId xmlns:a16="http://schemas.microsoft.com/office/drawing/2014/main" id="{8CBC4379-32C8-4C52-B0D8-C4DA3F8DDCA6}"/>
-              </a:ext>
-            </a:extLst>
-          </p:cNvPr>
-          <p:cNvSpPr txBox="1"/>
-          <p:nvPr/>
-        </p:nvSpPr>
-        <p:spPr>
-          <a:xfrm>
-            <a:off x="5154074" y="2738898"/>
-            <a:ext cx="1883849" cy="523220"/>
-          </a:xfrm>
-          <a:prstGeom prst="rect">
-            <a:avLst/>
-          </a:prstGeom>
-          <a:gradFill flip="none" rotWithShape="1">
-            <a:gsLst>
-              <a:gs pos="0">
-                <a:schemeClr val="accent2">
-                  <a:lumMod val="67000"/>
-                </a:schemeClr>
-              </a:gs>
-              <a:gs pos="48000">
-                <a:schemeClr val="accent2">
-                  <a:lumMod val="97000"/>
-                  <a:lumOff val="3000"/>
-                </a:schemeClr>
-              </a:gs>
-              <a:gs pos="100000">
-                <a:schemeClr val="accent2">
-                  <a:lumMod val="60000"/>
-                  <a:lumOff val="40000"/>
-                </a:schemeClr>
-              </a:gs>
-            </a:gsLst>
-            <a:lin ang="16200000" scaled="1"/>
-            <a:tileRect/>
-          </a:gradFill>
-          <a:ln>
-            <a:noFill/>
-          </a:ln>
-        </p:spPr>
-        <p:style>
-          <a:lnRef idx="0">
-            <a:scrgbClr r="0" g="0" b="0"/>
-          </a:lnRef>
-          <a:fillRef idx="0">
-            <a:scrgbClr r="0" g="0" b="0"/>
-          </a:fillRef>
-          <a:effectRef idx="0">
-            <a:scrgbClr r="0" g="0" b="0"/>
-          </a:effectRef>
-          <a:fontRef idx="minor">
-            <a:schemeClr val="lt1"/>
-          </a:fontRef>
-        </p:style>
-        <p:txBody>
-          <a:bodyPr wrap="none" rtlCol="0">
-            <a:spAutoFit/>
-          </a:bodyPr>
-          <a:lstStyle/>
-          <a:p>
-            <a:r>
-              <a:rPr lang="en-US" altLang="ko-KR" sz="2800" dirty="0"/>
-              <a:t>WEB KING</a:t>
-            </a:r>
-            <a:endParaRPr lang="ko-KR" altLang="en-US" sz="2800" dirty="0"/>
-          </a:p>
-        </p:txBody>
-      </p:sp>
-      <p:sp>
-        <p:nvSpPr>
-          <p:cNvPr id="25" name="TextBox 24">
-            <a:extLst>
-              <a:ext uri="{FF2B5EF4-FFF2-40B4-BE49-F238E27FC236}">
-                <a16:creationId xmlns:a16="http://schemas.microsoft.com/office/drawing/2014/main" id="{BBFF2DBA-572D-4273-9D14-A757222E519A}"/>
-              </a:ext>
-            </a:extLst>
-          </p:cNvPr>
-          <p:cNvSpPr txBox="1"/>
-          <p:nvPr/>
-        </p:nvSpPr>
-        <p:spPr>
-          <a:xfrm>
-            <a:off x="5008228" y="3409520"/>
-            <a:ext cx="2449710" cy="923330"/>
+            <a:off x="4808700" y="2403149"/>
+            <a:ext cx="2102237" cy="369332"/>
           </a:xfrm>
           <a:prstGeom prst="rect">
             <a:avLst/>
@@ -3514,182 +3385,50 @@
           <a:noFill/>
         </p:spPr>
         <p:txBody>
-          <a:bodyPr wrap="none" rtlCol="0">
-            <a:spAutoFit/>
-          </a:bodyPr>
-          <a:lstStyle/>
-          <a:p>
-            <a:r>
-              <a:rPr lang="ko-KR" altLang="en-US" dirty="0"/>
-              <a:t>로그인 하시겠습니까</a:t>
-            </a:r>
-            <a:r>
-              <a:rPr lang="en-US" altLang="ko-KR" dirty="0"/>
-              <a:t>?</a:t>
-            </a:r>
-          </a:p>
-          <a:p>
-            <a:endParaRPr lang="en-US" altLang="ko-KR" dirty="0"/>
-          </a:p>
-          <a:p>
-            <a:endParaRPr lang="ko-KR" altLang="en-US" dirty="0"/>
-          </a:p>
-        </p:txBody>
-      </p:sp>
-    </p:spTree>
-    <p:extLst>
-      <p:ext uri="{BB962C8B-B14F-4D97-AF65-F5344CB8AC3E}">
-        <p14:creationId xmlns:p14="http://schemas.microsoft.com/office/powerpoint/2010/main" val="3332342012"/>
-      </p:ext>
-    </p:extLst>
-  </p:cSld>
-  <p:clrMapOvr>
-    <a:masterClrMapping/>
-  </p:clrMapOvr>
-</p:sld>
-</file>
-
-<file path=ppt/slides/slide2.xml><?xml version="1.0" encoding="utf-8"?>
-<p:sld xmlns:a="http://schemas.openxmlformats.org/drawingml/2006/main" xmlns:r="http://schemas.openxmlformats.org/officeDocument/2006/relationships" xmlns:p="http://schemas.openxmlformats.org/presentationml/2006/main">
-  <p:cSld>
-    <p:spTree>
-      <p:nvGrpSpPr>
-        <p:cNvPr id="1" name=""/>
-        <p:cNvGrpSpPr/>
-        <p:nvPr/>
-      </p:nvGrpSpPr>
-      <p:grpSpPr>
-        <a:xfrm>
-          <a:off x="0" y="0"/>
-          <a:ext cx="0" cy="0"/>
-          <a:chOff x="0" y="0"/>
-          <a:chExt cx="0" cy="0"/>
-        </a:xfrm>
-      </p:grpSpPr>
-      <p:sp>
-        <p:nvSpPr>
-          <p:cNvPr id="2" name="TextBox 1">
-            <a:extLst>
-              <a:ext uri="{FF2B5EF4-FFF2-40B4-BE49-F238E27FC236}">
-                <a16:creationId xmlns:a16="http://schemas.microsoft.com/office/drawing/2014/main" id="{ABD6D00A-15DC-4996-B471-ABAFC5947064}"/>
-              </a:ext>
-            </a:extLst>
-          </p:cNvPr>
-          <p:cNvSpPr txBox="1"/>
-          <p:nvPr/>
-        </p:nvSpPr>
-        <p:spPr>
-          <a:xfrm>
-            <a:off x="3498208" y="755008"/>
-            <a:ext cx="4043494" cy="1200329"/>
-          </a:xfrm>
-          <a:prstGeom prst="rect">
-            <a:avLst/>
-          </a:prstGeom>
-          <a:noFill/>
-        </p:spPr>
-        <p:txBody>
           <a:bodyPr wrap="square" rtlCol="0">
             <a:spAutoFit/>
           </a:bodyPr>
           <a:lstStyle/>
           <a:p>
-            <a:pPr algn="ctr"/>
-            <a:r>
-              <a:rPr lang="ko-KR" altLang="en-US" sz="3600" dirty="0" err="1"/>
-              <a:t>어서오세요</a:t>
-            </a:r>
-            <a:br>
-              <a:rPr lang="en-US" altLang="ko-KR" sz="3600" dirty="0"/>
-            </a:br>
-            <a:r>
-              <a:rPr lang="en-US" altLang="ko-KR" sz="3600" dirty="0"/>
-              <a:t>WEB KING </a:t>
-            </a:r>
-            <a:r>
-              <a:rPr lang="ko-KR" altLang="en-US" sz="3600" dirty="0"/>
-              <a:t>입니다</a:t>
-            </a:r>
-          </a:p>
-        </p:txBody>
-      </p:sp>
-      <p:sp>
-        <p:nvSpPr>
-          <p:cNvPr id="3" name="TextBox 2">
-            <a:extLst>
-              <a:ext uri="{FF2B5EF4-FFF2-40B4-BE49-F238E27FC236}">
-                <a16:creationId xmlns:a16="http://schemas.microsoft.com/office/drawing/2014/main" id="{6165C223-39A9-4A00-BB0E-78A62E0345BE}"/>
-              </a:ext>
-            </a:extLst>
-          </p:cNvPr>
-          <p:cNvSpPr txBox="1"/>
+            <a:r>
+              <a:rPr lang="ko-KR" altLang="en-US" dirty="0" smtClean="0"/>
+              <a:t>오늘 </a:t>
+            </a:r>
+            <a:r>
+              <a:rPr lang="ko-KR" altLang="en-US" dirty="0"/>
+              <a:t>날짜</a:t>
+            </a:r>
+            <a:r>
+              <a:rPr lang="en-US" altLang="ko-KR" dirty="0"/>
+              <a:t>,</a:t>
+            </a:r>
+            <a:r>
+              <a:rPr lang="ko-KR" altLang="en-US" dirty="0"/>
+              <a:t> </a:t>
+            </a:r>
+            <a:r>
+              <a:rPr lang="ko-KR" altLang="en-US" dirty="0" smtClean="0"/>
+              <a:t>요일</a:t>
+            </a:r>
+            <a:endParaRPr lang="en-US" altLang="ko-KR" dirty="0"/>
+          </a:p>
+        </p:txBody>
+      </p:sp>
+      <p:sp>
+        <p:nvSpPr>
+          <p:cNvPr id="4" name="직사각형 3">
+            <a:extLst>
+              <a:ext uri="{FF2B5EF4-FFF2-40B4-BE49-F238E27FC236}">
+                <a16:creationId xmlns:a16="http://schemas.microsoft.com/office/drawing/2014/main" xmlns="" id="{27A127DE-9D0E-4050-BA38-1BD9FC82E974}"/>
+              </a:ext>
+            </a:extLst>
+          </p:cNvPr>
+          <p:cNvSpPr/>
           <p:nvPr/>
         </p:nvSpPr>
         <p:spPr>
           <a:xfrm>
-            <a:off x="3280095" y="1955337"/>
-            <a:ext cx="2270620" cy="923330"/>
-          </a:xfrm>
-          <a:prstGeom prst="rect">
-            <a:avLst/>
-          </a:prstGeom>
-          <a:noFill/>
-        </p:spPr>
-        <p:txBody>
-          <a:bodyPr wrap="square" rtlCol="0">
-            <a:spAutoFit/>
-          </a:bodyPr>
-          <a:lstStyle/>
-          <a:p>
-            <a:r>
-              <a:rPr lang="en-US" altLang="ko-KR" dirty="0"/>
-              <a:t>00</a:t>
-            </a:r>
-            <a:r>
-              <a:rPr lang="ko-KR" altLang="en-US" dirty="0"/>
-              <a:t>님 안녕하세요</a:t>
-            </a:r>
-            <a:r>
-              <a:rPr lang="en-US" altLang="ko-KR" dirty="0"/>
-              <a:t>.</a:t>
-            </a:r>
-            <a:br>
-              <a:rPr lang="en-US" altLang="ko-KR" dirty="0"/>
-            </a:br>
-            <a:r>
-              <a:rPr lang="ko-KR" altLang="en-US" dirty="0"/>
-              <a:t>오늘 날짜</a:t>
-            </a:r>
-            <a:r>
-              <a:rPr lang="en-US" altLang="ko-KR" dirty="0"/>
-              <a:t>,</a:t>
-            </a:r>
-            <a:r>
-              <a:rPr lang="ko-KR" altLang="en-US" dirty="0"/>
-              <a:t> 요일</a:t>
-            </a:r>
-            <a:endParaRPr lang="en-US" altLang="ko-KR" dirty="0"/>
-          </a:p>
-          <a:p>
-            <a:endParaRPr lang="ko-KR" altLang="en-US" dirty="0"/>
-          </a:p>
-        </p:txBody>
-      </p:sp>
-      <p:sp>
-        <p:nvSpPr>
-          <p:cNvPr id="4" name="직사각형 3">
-            <a:extLst>
-              <a:ext uri="{FF2B5EF4-FFF2-40B4-BE49-F238E27FC236}">
-                <a16:creationId xmlns:a16="http://schemas.microsoft.com/office/drawing/2014/main" id="{27A127DE-9D0E-4050-BA38-1BD9FC82E974}"/>
-              </a:ext>
-            </a:extLst>
-          </p:cNvPr>
-          <p:cNvSpPr/>
-          <p:nvPr/>
-        </p:nvSpPr>
-        <p:spPr>
-          <a:xfrm>
-            <a:off x="3280095" y="3045745"/>
+            <a:off x="3947360" y="3144599"/>
             <a:ext cx="872455" cy="989360"/>
           </a:xfrm>
           <a:prstGeom prst="rect">
@@ -3730,7 +3469,7 @@
           <p:cNvPr id="5" name="직사각형 4">
             <a:extLst>
               <a:ext uri="{FF2B5EF4-FFF2-40B4-BE49-F238E27FC236}">
-                <a16:creationId xmlns:a16="http://schemas.microsoft.com/office/drawing/2014/main" id="{8952EE67-810C-4B70-A64A-B8639261593A}"/>
+                <a16:creationId xmlns:a16="http://schemas.microsoft.com/office/drawing/2014/main" xmlns="" id="{8952EE67-810C-4B70-A64A-B8639261593A}"/>
               </a:ext>
             </a:extLst>
           </p:cNvPr>
@@ -3739,7 +3478,7 @@
         </p:nvSpPr>
         <p:spPr>
           <a:xfrm>
-            <a:off x="4678260" y="3008265"/>
+            <a:off x="5345525" y="3144599"/>
             <a:ext cx="872455" cy="989360"/>
           </a:xfrm>
           <a:prstGeom prst="rect">
@@ -3768,8 +3507,8 @@
           <a:p>
             <a:pPr algn="ctr"/>
             <a:r>
-              <a:rPr lang="en-US" altLang="ko-KR" dirty="0"/>
-              <a:t>git</a:t>
+              <a:rPr lang="en-US" altLang="ko-KR" dirty="0" err="1" smtClean="0"/>
+              <a:t>Todo</a:t>
             </a:r>
             <a:endParaRPr lang="ko-KR" altLang="en-US" dirty="0"/>
           </a:p>
@@ -3780,7 +3519,7 @@
           <p:cNvPr id="6" name="직사각형 5">
             <a:extLst>
               <a:ext uri="{FF2B5EF4-FFF2-40B4-BE49-F238E27FC236}">
-                <a16:creationId xmlns:a16="http://schemas.microsoft.com/office/drawing/2014/main" id="{7853FE59-7515-4CF7-BBB1-9620F12114E6}"/>
+                <a16:creationId xmlns:a16="http://schemas.microsoft.com/office/drawing/2014/main" xmlns="" id="{7853FE59-7515-4CF7-BBB1-9620F12114E6}"/>
               </a:ext>
             </a:extLst>
           </p:cNvPr>
@@ -3789,7 +3528,7 @@
         </p:nvSpPr>
         <p:spPr>
           <a:xfrm>
-            <a:off x="6034479" y="3045745"/>
+            <a:off x="6701744" y="3144599"/>
             <a:ext cx="872455" cy="989360"/>
           </a:xfrm>
           <a:prstGeom prst="rect">
@@ -3818,476 +3557,24 @@
           <a:p>
             <a:pPr algn="ctr"/>
             <a:r>
-              <a:rPr lang="en-US" altLang="ko-KR" dirty="0"/>
-              <a:t>movie</a:t>
+              <a:rPr lang="en-US" altLang="ko-KR" dirty="0" smtClean="0"/>
+              <a:t>count</a:t>
+            </a:r>
+          </a:p>
+          <a:p>
+            <a:pPr algn="ctr"/>
+            <a:r>
+              <a:rPr lang="en-US" altLang="ko-KR" dirty="0" smtClean="0"/>
+              <a:t>down</a:t>
             </a:r>
             <a:endParaRPr lang="ko-KR" altLang="en-US" dirty="0"/>
           </a:p>
         </p:txBody>
       </p:sp>
-      <p:sp>
-        <p:nvSpPr>
-          <p:cNvPr id="7" name="직사각형 6">
-            <a:extLst>
-              <a:ext uri="{FF2B5EF4-FFF2-40B4-BE49-F238E27FC236}">
-                <a16:creationId xmlns:a16="http://schemas.microsoft.com/office/drawing/2014/main" id="{4FE64521-77E5-43E3-A845-5445A26F5836}"/>
-              </a:ext>
-            </a:extLst>
-          </p:cNvPr>
-          <p:cNvSpPr/>
-          <p:nvPr/>
-        </p:nvSpPr>
-        <p:spPr>
-          <a:xfrm>
-            <a:off x="8977619" y="1661130"/>
-            <a:ext cx="872455" cy="989360"/>
-          </a:xfrm>
-          <a:prstGeom prst="rect">
-            <a:avLst/>
-          </a:prstGeom>
-        </p:spPr>
-        <p:style>
-          <a:lnRef idx="2">
-            <a:schemeClr val="accent1">
-              <a:shade val="50000"/>
-            </a:schemeClr>
-          </a:lnRef>
-          <a:fillRef idx="1">
-            <a:schemeClr val="accent1"/>
-          </a:fillRef>
-          <a:effectRef idx="0">
-            <a:schemeClr val="accent1"/>
-          </a:effectRef>
-          <a:fontRef idx="minor">
-            <a:schemeClr val="lt1"/>
-          </a:fontRef>
-        </p:style>
-        <p:txBody>
-          <a:bodyPr rtlCol="0" anchor="ctr"/>
-          <a:lstStyle/>
-          <a:p>
-            <a:pPr algn="ctr"/>
-            <a:r>
-              <a:rPr lang="ko-KR" altLang="en-US" dirty="0"/>
-              <a:t>캘린더 </a:t>
-            </a:r>
-          </a:p>
-        </p:txBody>
-      </p:sp>
-      <p:pic>
-        <p:nvPicPr>
-          <p:cNvPr id="9" name="그래픽 8" descr="플립 달력">
-            <a:extLst>
-              <a:ext uri="{FF2B5EF4-FFF2-40B4-BE49-F238E27FC236}">
-                <a16:creationId xmlns:a16="http://schemas.microsoft.com/office/drawing/2014/main" id="{6D5FF79A-F007-4662-9D83-1FCDA0BE1C2F}"/>
-              </a:ext>
-            </a:extLst>
-          </p:cNvPr>
-          <p:cNvPicPr>
-            <a:picLocks noChangeAspect="1"/>
-          </p:cNvPicPr>
-          <p:nvPr/>
-        </p:nvPicPr>
-        <p:blipFill>
-          <a:blip r:embed="rId2">
-            <a:extLst>
-              <a:ext uri="{28A0092B-C50C-407E-A947-70E740481C1C}">
-                <a14:useLocalDpi xmlns:a14="http://schemas.microsoft.com/office/drawing/2010/main" val="0"/>
-              </a:ext>
-              <a:ext uri="{96DAC541-7B7A-43D3-8B79-37D633B846F1}">
-                <asvg:svgBlip xmlns:asvg="http://schemas.microsoft.com/office/drawing/2016/SVG/main" r:embed="rId3"/>
-              </a:ext>
-            </a:extLst>
-          </a:blip>
-          <a:stretch>
-            <a:fillRect/>
-          </a:stretch>
-        </p:blipFill>
-        <p:spPr>
-          <a:xfrm>
-            <a:off x="7421458" y="3083225"/>
-            <a:ext cx="914400" cy="914400"/>
-          </a:xfrm>
-          <a:prstGeom prst="rect">
-            <a:avLst/>
-          </a:prstGeom>
-        </p:spPr>
-      </p:pic>
     </p:spTree>
     <p:extLst>
       <p:ext uri="{BB962C8B-B14F-4D97-AF65-F5344CB8AC3E}">
         <p14:creationId xmlns:p14="http://schemas.microsoft.com/office/powerpoint/2010/main" val="257686780"/>
-      </p:ext>
-    </p:extLst>
-  </p:cSld>
-  <p:clrMapOvr>
-    <a:masterClrMapping/>
-  </p:clrMapOvr>
-</p:sld>
-</file>
-
-<file path=ppt/slides/slide3.xml><?xml version="1.0" encoding="utf-8"?>
-<p:sld xmlns:a="http://schemas.openxmlformats.org/drawingml/2006/main" xmlns:r="http://schemas.openxmlformats.org/officeDocument/2006/relationships" xmlns:p="http://schemas.openxmlformats.org/presentationml/2006/main">
-  <p:cSld>
-    <p:spTree>
-      <p:nvGrpSpPr>
-        <p:cNvPr id="1" name=""/>
-        <p:cNvGrpSpPr/>
-        <p:nvPr/>
-      </p:nvGrpSpPr>
-      <p:grpSpPr>
-        <a:xfrm>
-          <a:off x="0" y="0"/>
-          <a:ext cx="0" cy="0"/>
-          <a:chOff x="0" y="0"/>
-          <a:chExt cx="0" cy="0"/>
-        </a:xfrm>
-      </p:grpSpPr>
-      <p:sp>
-        <p:nvSpPr>
-          <p:cNvPr id="2" name="TextBox 1">
-            <a:extLst>
-              <a:ext uri="{FF2B5EF4-FFF2-40B4-BE49-F238E27FC236}">
-                <a16:creationId xmlns:a16="http://schemas.microsoft.com/office/drawing/2014/main" id="{7300C6CF-95ED-40B5-BB94-1F83F3A52F2E}"/>
-              </a:ext>
-            </a:extLst>
-          </p:cNvPr>
-          <p:cNvSpPr txBox="1"/>
-          <p:nvPr/>
-        </p:nvSpPr>
-        <p:spPr>
-          <a:xfrm>
-            <a:off x="3285686" y="1611037"/>
-            <a:ext cx="2270620" cy="2308324"/>
-          </a:xfrm>
-          <a:prstGeom prst="rect">
-            <a:avLst/>
-          </a:prstGeom>
-          <a:noFill/>
-        </p:spPr>
-        <p:txBody>
-          <a:bodyPr wrap="square" rtlCol="0">
-            <a:spAutoFit/>
-          </a:bodyPr>
-          <a:lstStyle/>
-          <a:p>
-            <a:r>
-              <a:rPr lang="en-US" altLang="ko-KR" dirty="0"/>
-              <a:t>00</a:t>
-            </a:r>
-            <a:r>
-              <a:rPr lang="ko-KR" altLang="en-US" dirty="0"/>
-              <a:t>님 안녕하세요</a:t>
-            </a:r>
-            <a:r>
-              <a:rPr lang="en-US" altLang="ko-KR" dirty="0"/>
-              <a:t>.</a:t>
-            </a:r>
-            <a:br>
-              <a:rPr lang="en-US" altLang="ko-KR" dirty="0"/>
-            </a:br>
-            <a:r>
-              <a:rPr lang="ko-KR" altLang="en-US" dirty="0"/>
-              <a:t>오늘 날짜</a:t>
-            </a:r>
-            <a:r>
-              <a:rPr lang="en-US" altLang="ko-KR" dirty="0"/>
-              <a:t>,</a:t>
-            </a:r>
-            <a:r>
-              <a:rPr lang="ko-KR" altLang="en-US" dirty="0"/>
-              <a:t> 요일</a:t>
-            </a:r>
-            <a:endParaRPr lang="en-US" altLang="ko-KR" dirty="0"/>
-          </a:p>
-          <a:p>
-            <a:r>
-              <a:rPr lang="en-US" altLang="ko-KR" dirty="0"/>
-              <a:t>(</a:t>
-            </a:r>
-            <a:r>
-              <a:rPr lang="ko-KR" altLang="en-US" dirty="0"/>
-              <a:t>내 정보</a:t>
-            </a:r>
-            <a:r>
-              <a:rPr lang="en-US" altLang="ko-KR" dirty="0"/>
-              <a:t>)</a:t>
-            </a:r>
-          </a:p>
-          <a:p>
-            <a:r>
-              <a:rPr lang="ko-KR" altLang="en-US" dirty="0"/>
-              <a:t>음식 취향 순위</a:t>
-            </a:r>
-            <a:endParaRPr lang="en-US" altLang="ko-KR" dirty="0"/>
-          </a:p>
-          <a:p>
-            <a:r>
-              <a:rPr lang="en-US" altLang="ko-KR" dirty="0"/>
-              <a:t>1.</a:t>
-            </a:r>
-          </a:p>
-          <a:p>
-            <a:r>
-              <a:rPr lang="en-US" altLang="ko-KR" dirty="0"/>
-              <a:t>2.</a:t>
-            </a:r>
-          </a:p>
-          <a:p>
-            <a:r>
-              <a:rPr lang="en-US" altLang="ko-KR" dirty="0"/>
-              <a:t>3.</a:t>
-            </a:r>
-          </a:p>
-          <a:p>
-            <a:endParaRPr lang="en-US" altLang="ko-KR" dirty="0"/>
-          </a:p>
-        </p:txBody>
-      </p:sp>
-      <p:sp>
-        <p:nvSpPr>
-          <p:cNvPr id="3" name="TextBox 2">
-            <a:extLst>
-              <a:ext uri="{FF2B5EF4-FFF2-40B4-BE49-F238E27FC236}">
-                <a16:creationId xmlns:a16="http://schemas.microsoft.com/office/drawing/2014/main" id="{FA7A2A7F-A0DD-4912-8D36-CBDE1E11D152}"/>
-              </a:ext>
-            </a:extLst>
-          </p:cNvPr>
-          <p:cNvSpPr txBox="1"/>
-          <p:nvPr/>
-        </p:nvSpPr>
-        <p:spPr>
-          <a:xfrm>
-            <a:off x="87123" y="121533"/>
-            <a:ext cx="1883849" cy="523220"/>
-          </a:xfrm>
-          <a:prstGeom prst="rect">
-            <a:avLst/>
-          </a:prstGeom>
-          <a:gradFill flip="none" rotWithShape="1">
-            <a:gsLst>
-              <a:gs pos="0">
-                <a:schemeClr val="accent2">
-                  <a:lumMod val="67000"/>
-                </a:schemeClr>
-              </a:gs>
-              <a:gs pos="48000">
-                <a:schemeClr val="accent2">
-                  <a:lumMod val="97000"/>
-                  <a:lumOff val="3000"/>
-                </a:schemeClr>
-              </a:gs>
-              <a:gs pos="100000">
-                <a:schemeClr val="accent2">
-                  <a:lumMod val="60000"/>
-                  <a:lumOff val="40000"/>
-                </a:schemeClr>
-              </a:gs>
-            </a:gsLst>
-            <a:lin ang="16200000" scaled="1"/>
-            <a:tileRect/>
-          </a:gradFill>
-          <a:ln>
-            <a:noFill/>
-          </a:ln>
-        </p:spPr>
-        <p:style>
-          <a:lnRef idx="0">
-            <a:scrgbClr r="0" g="0" b="0"/>
-          </a:lnRef>
-          <a:fillRef idx="0">
-            <a:scrgbClr r="0" g="0" b="0"/>
-          </a:fillRef>
-          <a:effectRef idx="0">
-            <a:scrgbClr r="0" g="0" b="0"/>
-          </a:effectRef>
-          <a:fontRef idx="minor">
-            <a:schemeClr val="lt1"/>
-          </a:fontRef>
-        </p:style>
-        <p:txBody>
-          <a:bodyPr wrap="square" rtlCol="0">
-            <a:spAutoFit/>
-          </a:bodyPr>
-          <a:lstStyle/>
-          <a:p>
-            <a:r>
-              <a:rPr lang="en-US" altLang="ko-KR" sz="2800" dirty="0"/>
-              <a:t>WEB KING</a:t>
-            </a:r>
-            <a:endParaRPr lang="ko-KR" altLang="en-US" sz="2800" dirty="0"/>
-          </a:p>
-        </p:txBody>
-      </p:sp>
-    </p:spTree>
-    <p:extLst>
-      <p:ext uri="{BB962C8B-B14F-4D97-AF65-F5344CB8AC3E}">
-        <p14:creationId xmlns:p14="http://schemas.microsoft.com/office/powerpoint/2010/main" val="633784808"/>
-      </p:ext>
-    </p:extLst>
-  </p:cSld>
-  <p:clrMapOvr>
-    <a:masterClrMapping/>
-  </p:clrMapOvr>
-</p:sld>
-</file>
-
-<file path=ppt/slides/slide4.xml><?xml version="1.0" encoding="utf-8"?>
-<p:sld xmlns:a="http://schemas.openxmlformats.org/drawingml/2006/main" xmlns:r="http://schemas.openxmlformats.org/officeDocument/2006/relationships" xmlns:p="http://schemas.openxmlformats.org/presentationml/2006/main">
-  <p:cSld>
-    <p:spTree>
-      <p:nvGrpSpPr>
-        <p:cNvPr id="1" name=""/>
-        <p:cNvGrpSpPr/>
-        <p:nvPr/>
-      </p:nvGrpSpPr>
-      <p:grpSpPr>
-        <a:xfrm>
-          <a:off x="0" y="0"/>
-          <a:ext cx="0" cy="0"/>
-          <a:chOff x="0" y="0"/>
-          <a:chExt cx="0" cy="0"/>
-        </a:xfrm>
-      </p:grpSpPr>
-      <p:sp>
-        <p:nvSpPr>
-          <p:cNvPr id="2" name="TextBox 1">
-            <a:extLst>
-              <a:ext uri="{FF2B5EF4-FFF2-40B4-BE49-F238E27FC236}">
-                <a16:creationId xmlns:a16="http://schemas.microsoft.com/office/drawing/2014/main" id="{7F5D9470-D685-447A-8505-65BE45E1D290}"/>
-              </a:ext>
-            </a:extLst>
-          </p:cNvPr>
-          <p:cNvSpPr txBox="1"/>
-          <p:nvPr/>
-        </p:nvSpPr>
-        <p:spPr>
-          <a:xfrm>
-            <a:off x="221347" y="230590"/>
-            <a:ext cx="1883849" cy="523220"/>
-          </a:xfrm>
-          <a:prstGeom prst="rect">
-            <a:avLst/>
-          </a:prstGeom>
-          <a:gradFill flip="none" rotWithShape="1">
-            <a:gsLst>
-              <a:gs pos="0">
-                <a:schemeClr val="accent2">
-                  <a:lumMod val="67000"/>
-                </a:schemeClr>
-              </a:gs>
-              <a:gs pos="48000">
-                <a:schemeClr val="accent2">
-                  <a:lumMod val="97000"/>
-                  <a:lumOff val="3000"/>
-                </a:schemeClr>
-              </a:gs>
-              <a:gs pos="100000">
-                <a:schemeClr val="accent2">
-                  <a:lumMod val="60000"/>
-                  <a:lumOff val="40000"/>
-                </a:schemeClr>
-              </a:gs>
-            </a:gsLst>
-            <a:lin ang="16200000" scaled="1"/>
-            <a:tileRect/>
-          </a:gradFill>
-          <a:ln>
-            <a:noFill/>
-          </a:ln>
-        </p:spPr>
-        <p:style>
-          <a:lnRef idx="0">
-            <a:scrgbClr r="0" g="0" b="0"/>
-          </a:lnRef>
-          <a:fillRef idx="0">
-            <a:scrgbClr r="0" g="0" b="0"/>
-          </a:fillRef>
-          <a:effectRef idx="0">
-            <a:scrgbClr r="0" g="0" b="0"/>
-          </a:effectRef>
-          <a:fontRef idx="minor">
-            <a:schemeClr val="lt1"/>
-          </a:fontRef>
-        </p:style>
-        <p:txBody>
-          <a:bodyPr wrap="none" rtlCol="0">
-            <a:spAutoFit/>
-          </a:bodyPr>
-          <a:lstStyle/>
-          <a:p>
-            <a:r>
-              <a:rPr lang="en-US" altLang="ko-KR" sz="2800" dirty="0"/>
-              <a:t>WEB KING</a:t>
-            </a:r>
-            <a:endParaRPr lang="ko-KR" altLang="en-US" sz="2800" dirty="0"/>
-          </a:p>
-        </p:txBody>
-      </p:sp>
-    </p:spTree>
-    <p:extLst>
-      <p:ext uri="{BB962C8B-B14F-4D97-AF65-F5344CB8AC3E}">
-        <p14:creationId xmlns:p14="http://schemas.microsoft.com/office/powerpoint/2010/main" val="2068400117"/>
-      </p:ext>
-    </p:extLst>
-  </p:cSld>
-  <p:clrMapOvr>
-    <a:masterClrMapping/>
-  </p:clrMapOvr>
-</p:sld>
-</file>
-
-<file path=ppt/slides/slide5.xml><?xml version="1.0" encoding="utf-8"?>
-<p:sld xmlns:a="http://schemas.openxmlformats.org/drawingml/2006/main" xmlns:r="http://schemas.openxmlformats.org/officeDocument/2006/relationships" xmlns:p="http://schemas.openxmlformats.org/presentationml/2006/main">
-  <p:cSld>
-    <p:spTree>
-      <p:nvGrpSpPr>
-        <p:cNvPr id="1" name=""/>
-        <p:cNvGrpSpPr/>
-        <p:nvPr/>
-      </p:nvGrpSpPr>
-      <p:grpSpPr>
-        <a:xfrm>
-          <a:off x="0" y="0"/>
-          <a:ext cx="0" cy="0"/>
-          <a:chOff x="0" y="0"/>
-          <a:chExt cx="0" cy="0"/>
-        </a:xfrm>
-      </p:grpSpPr>
-    </p:spTree>
-    <p:extLst>
-      <p:ext uri="{BB962C8B-B14F-4D97-AF65-F5344CB8AC3E}">
-        <p14:creationId xmlns:p14="http://schemas.microsoft.com/office/powerpoint/2010/main" val="432911700"/>
-      </p:ext>
-    </p:extLst>
-  </p:cSld>
-  <p:clrMapOvr>
-    <a:masterClrMapping/>
-  </p:clrMapOvr>
-</p:sld>
-</file>
-
-<file path=ppt/slides/slide6.xml><?xml version="1.0" encoding="utf-8"?>
-<p:sld xmlns:a="http://schemas.openxmlformats.org/drawingml/2006/main" xmlns:r="http://schemas.openxmlformats.org/officeDocument/2006/relationships" xmlns:p="http://schemas.openxmlformats.org/presentationml/2006/main">
-  <p:cSld>
-    <p:spTree>
-      <p:nvGrpSpPr>
-        <p:cNvPr id="1" name=""/>
-        <p:cNvGrpSpPr/>
-        <p:nvPr/>
-      </p:nvGrpSpPr>
-      <p:grpSpPr>
-        <a:xfrm>
-          <a:off x="0" y="0"/>
-          <a:ext cx="0" cy="0"/>
-          <a:chOff x="0" y="0"/>
-          <a:chExt cx="0" cy="0"/>
-        </a:xfrm>
-      </p:grpSpPr>
-    </p:spTree>
-    <p:extLst>
-      <p:ext uri="{BB962C8B-B14F-4D97-AF65-F5344CB8AC3E}">
-        <p14:creationId xmlns:p14="http://schemas.microsoft.com/office/powerpoint/2010/main" val="1899920872"/>
       </p:ext>
     </p:extLst>
   </p:cSld>
@@ -4340,7 +3627,7 @@
     </a:clrScheme>
     <a:fontScheme name="Office">
       <a:majorFont>
-        <a:latin typeface="맑은 고딕" panose="020F0302020204030204"/>
+        <a:latin typeface="맑은 고딕"/>
         <a:ea typeface=""/>
         <a:cs typeface=""/>
         <a:font script="Jpan" typeface="游ゴシック Light"/>
@@ -4392,7 +3679,7 @@
         <a:font script="Tfng" typeface="Ebrima"/>
       </a:majorFont>
       <a:minorFont>
-        <a:latin typeface="맑은 고딕" panose="020F0502020204030204"/>
+        <a:latin typeface="맑은 고딕"/>
         <a:ea typeface=""/>
         <a:cs typeface=""/>
         <a:font script="Jpan" typeface="游ゴシック"/>
@@ -4586,7 +3873,7 @@
   <a:extraClrSchemeLst/>
   <a:extLst>
     <a:ext uri="{05A4C25C-085E-4340-85A3-A5531E510DB2}">
-      <thm15:themeFamily xmlns:thm15="http://schemas.microsoft.com/office/thememl/2012/main" name="Office Theme" id="{62F939B6-93AF-4DB8-9C6B-D6C7DFDC589F}" vid="{4A3C46E8-61CC-4603-A589-7422A47A8E4A}"/>
+      <thm15:themeFamily xmlns:thm15="http://schemas.microsoft.com/office/thememl/2012/main" xmlns="" name="Office Theme" id="{62F939B6-93AF-4DB8-9C6B-D6C7DFDC589F}" vid="{4A3C46E8-61CC-4603-A589-7422A47A8E4A}"/>
     </a:ext>
   </a:extLst>
 </a:theme>
